--- a/files/DiscussionWeek1annotated.pptx
+++ b/files/DiscussionWeek1annotated.pptx
@@ -15165,8 +15165,8 @@
           </a:p>
         </p:txBody>
       </p:sp>
-      <mc:AlternateContent xmlns:mc="http://schemas.openxmlformats.org/markup-compatibility/2006" xmlns:a14="http://schemas.microsoft.com/office/drawing/2010/main">
-        <mc:Choice Requires="a14">
+      <mc:AlternateContent xmlns:mc="http://schemas.openxmlformats.org/markup-compatibility/2006">
+        <mc:Choice xmlns:a14="http://schemas.microsoft.com/office/drawing/2010/main" Requires="a14">
           <p:sp>
             <p:nvSpPr>
               <p:cNvPr id="3" name="Text Placeholder 2">
@@ -15280,6 +15280,12 @@
                           <a:rPr lang="en-US" b="0" i="1" smtClean="0">
                             <a:latin typeface="Cambria Math" panose="02040503050406030204" pitchFamily="18" charset="0"/>
                           </a:rPr>
+                          <m:t>(</m:t>
+                        </m:r>
+                        <m:r>
+                          <a:rPr lang="en-US" b="0" i="1" smtClean="0">
+                            <a:latin typeface="Cambria Math" panose="02040503050406030204" pitchFamily="18" charset="0"/>
+                          </a:rPr>
                           <m:t>𝑥</m:t>
                         </m:r>
                         <m:r>
@@ -15293,6 +15299,12 @@
                             <a:latin typeface="Cambria Math" panose="02040503050406030204" pitchFamily="18" charset="0"/>
                           </a:rPr>
                           <m:t>𝑧</m:t>
+                        </m:r>
+                        <m:r>
+                          <a:rPr lang="en-US" b="0" i="1" smtClean="0">
+                            <a:latin typeface="Cambria Math" panose="02040503050406030204" pitchFamily="18" charset="0"/>
+                          </a:rPr>
+                          <m:t>)</m:t>
                         </m:r>
                       </m:e>
                     </m:d>
@@ -15363,7 +15375,7 @@
             </p:txBody>
           </p:sp>
         </mc:Choice>
-        <mc:Fallback xmlns="">
+        <mc:Fallback>
           <p:sp>
             <p:nvSpPr>
               <p:cNvPr id="3" name="Text Placeholder 2">
@@ -15433,8 +15445,8 @@
           </a:prstGeom>
         </p:spPr>
       </p:pic>
-      <mc:AlternateContent xmlns:mc="http://schemas.openxmlformats.org/markup-compatibility/2006" xmlns:a14="http://schemas.microsoft.com/office/drawing/2010/main">
-        <mc:Choice Requires="a14">
+      <mc:AlternateContent xmlns:mc="http://schemas.openxmlformats.org/markup-compatibility/2006">
+        <mc:Choice xmlns:a14="http://schemas.microsoft.com/office/drawing/2010/main" Requires="a14">
           <p:sp>
             <p:nvSpPr>
               <p:cNvPr id="4" name="TextBox 3">
@@ -15660,6 +15672,12 @@
                           <a:rPr lang="en-US" b="0" i="1" smtClean="0">
                             <a:latin typeface="Cambria Math" panose="02040503050406030204" pitchFamily="18" charset="0"/>
                           </a:rPr>
+                          <m:t>(</m:t>
+                        </m:r>
+                        <m:r>
+                          <a:rPr lang="en-US" b="0" i="1" smtClean="0">
+                            <a:latin typeface="Cambria Math" panose="02040503050406030204" pitchFamily="18" charset="0"/>
+                          </a:rPr>
                           <m:t>𝑥</m:t>
                         </m:r>
                         <m:r>
@@ -15673,6 +15691,12 @@
                             <a:latin typeface="Cambria Math" panose="02040503050406030204" pitchFamily="18" charset="0"/>
                           </a:rPr>
                           <m:t>𝑧</m:t>
+                        </m:r>
+                        <m:r>
+                          <a:rPr lang="en-US" b="0" i="1" smtClean="0">
+                            <a:latin typeface="Cambria Math" panose="02040503050406030204" pitchFamily="18" charset="0"/>
+                          </a:rPr>
+                          <m:t>)</m:t>
                         </m:r>
                       </m:e>
                     </m:d>
@@ -16241,7 +16265,7 @@
             </p:txBody>
           </p:sp>
         </mc:Choice>
-        <mc:Fallback xmlns="">
+        <mc:Fallback>
           <p:sp>
             <p:nvSpPr>
               <p:cNvPr id="4" name="TextBox 3">
@@ -16267,7 +16291,7 @@
               <a:blipFill>
                 <a:blip r:embed="rId4"/>
                 <a:stretch>
-                  <a:fillRect l="-1471" b="-4065"/>
+                  <a:fillRect l="-1471" r="-735" b="-4065"/>
                 </a:stretch>
               </a:blipFill>
             </p:spPr>
@@ -17364,7 +17388,7 @@
           <p:nvPr/>
         </p:nvPicPr>
         <p:blipFill>
-          <a:blip r:embed="rId3"/>
+          <a:blip r:embed="rId2"/>
           <a:stretch>
             <a:fillRect/>
           </a:stretch>
@@ -18331,7 +18355,7 @@
               <a:rPr lang="en-US" dirty="0">
                 <a:extLst>
                   <a:ext uri="http://customooxmlschemas.google.com/">
-                    <go:slidesCustomData xmlns="" xmlns:mc="http://schemas.openxmlformats.org/markup-compatibility/2006" xmlns:mv="urn:schemas-microsoft-com:mac:vml" xmlns:c="http://schemas.openxmlformats.org/drawingml/2006/chart" xmlns:dgm="http://schemas.openxmlformats.org/drawingml/2006/diagram" xmlns:o="urn:schemas-microsoft-com:office:office" xmlns:v="urn:schemas-microsoft-com:vml" xmlns:pvml="urn:schemas-microsoft-com:office:powerpoint" xmlns:com="http://schemas.openxmlformats.org/drawingml/2006/compatibility" xmlns:p14="http://schemas.microsoft.com/office/powerpoint/2010/main" xmlns:p15="http://schemas.microsoft.com/office/powerpoint/2012/main" xmlns:ahyp="http://schemas.microsoft.com/office/drawing/2018/hyperlinkcolor" xmlns:go="http://customooxmlschemas.google.com/" xmlns:lc="http://schemas.openxmlformats.org/drawingml/2006/lockedCanvas" textRoundtripDataId="0"/>
+                    <go:slidesCustomData xmlns:lc="http://schemas.openxmlformats.org/drawingml/2006/lockedCanvas" xmlns:go="http://customooxmlschemas.google.com/" xmlns:ahyp="http://schemas.microsoft.com/office/drawing/2018/hyperlinkcolor" xmlns:p15="http://schemas.microsoft.com/office/powerpoint/2012/main" xmlns:p14="http://schemas.microsoft.com/office/powerpoint/2010/main" xmlns:com="http://schemas.openxmlformats.org/drawingml/2006/compatibility" xmlns:pvml="urn:schemas-microsoft-com:office:powerpoint" xmlns:v="urn:schemas-microsoft-com:vml" xmlns:o="urn:schemas-microsoft-com:office:office" xmlns:dgm="http://schemas.openxmlformats.org/drawingml/2006/diagram" xmlns:c="http://schemas.openxmlformats.org/drawingml/2006/chart" xmlns:mv="urn:schemas-microsoft-com:mac:vml" xmlns:mc="http://schemas.openxmlformats.org/markup-compatibility/2006" xmlns="" textRoundtripDataId="0"/>
                   </a:ext>
                 </a:extLst>
               </a:rPr>
@@ -18345,7 +18369,7 @@
               <a:rPr lang="en-US" dirty="0">
                 <a:extLst>
                   <a:ext uri="http://customooxmlschemas.google.com/">
-                    <go:slidesCustomData xmlns="" xmlns:mc="http://schemas.openxmlformats.org/markup-compatibility/2006" xmlns:mv="urn:schemas-microsoft-com:mac:vml" xmlns:c="http://schemas.openxmlformats.org/drawingml/2006/chart" xmlns:dgm="http://schemas.openxmlformats.org/drawingml/2006/diagram" xmlns:o="urn:schemas-microsoft-com:office:office" xmlns:v="urn:schemas-microsoft-com:vml" xmlns:pvml="urn:schemas-microsoft-com:office:powerpoint" xmlns:com="http://schemas.openxmlformats.org/drawingml/2006/compatibility" xmlns:p14="http://schemas.microsoft.com/office/powerpoint/2010/main" xmlns:p15="http://schemas.microsoft.com/office/powerpoint/2012/main" xmlns:ahyp="http://schemas.microsoft.com/office/drawing/2018/hyperlinkcolor" xmlns:go="http://customooxmlschemas.google.com/" xmlns:lc="http://schemas.openxmlformats.org/drawingml/2006/lockedCanvas" textRoundtripDataId="0"/>
+                    <go:slidesCustomData xmlns:lc="http://schemas.openxmlformats.org/drawingml/2006/lockedCanvas" xmlns:go="http://customooxmlschemas.google.com/" xmlns:ahyp="http://schemas.microsoft.com/office/drawing/2018/hyperlinkcolor" xmlns:p15="http://schemas.microsoft.com/office/powerpoint/2012/main" xmlns:p14="http://schemas.microsoft.com/office/powerpoint/2010/main" xmlns:com="http://schemas.openxmlformats.org/drawingml/2006/compatibility" xmlns:pvml="urn:schemas-microsoft-com:office:powerpoint" xmlns:v="urn:schemas-microsoft-com:vml" xmlns:o="urn:schemas-microsoft-com:office:office" xmlns:dgm="http://schemas.openxmlformats.org/drawingml/2006/diagram" xmlns:c="http://schemas.openxmlformats.org/drawingml/2006/chart" xmlns:mv="urn:schemas-microsoft-com:mac:vml" xmlns:mc="http://schemas.openxmlformats.org/markup-compatibility/2006" xmlns="" textRoundtripDataId="0"/>
                   </a:ext>
                 </a:extLst>
               </a:rPr>
@@ -18358,7 +18382,7 @@
               <a:rPr lang="en-US" dirty="0">
                 <a:extLst>
                   <a:ext uri="http://customooxmlschemas.google.com/">
-                    <go:slidesCustomData xmlns="" xmlns:mc="http://schemas.openxmlformats.org/markup-compatibility/2006" xmlns:mv="urn:schemas-microsoft-com:mac:vml" xmlns:c="http://schemas.openxmlformats.org/drawingml/2006/chart" xmlns:dgm="http://schemas.openxmlformats.org/drawingml/2006/diagram" xmlns:o="urn:schemas-microsoft-com:office:office" xmlns:v="urn:schemas-microsoft-com:vml" xmlns:pvml="urn:schemas-microsoft-com:office:powerpoint" xmlns:com="http://schemas.openxmlformats.org/drawingml/2006/compatibility" xmlns:p14="http://schemas.microsoft.com/office/powerpoint/2010/main" xmlns:p15="http://schemas.microsoft.com/office/powerpoint/2012/main" xmlns:ahyp="http://schemas.microsoft.com/office/drawing/2018/hyperlinkcolor" xmlns:go="http://customooxmlschemas.google.com/" xmlns:lc="http://schemas.openxmlformats.org/drawingml/2006/lockedCanvas" textRoundtripDataId="0"/>
+                    <go:slidesCustomData xmlns:lc="http://schemas.openxmlformats.org/drawingml/2006/lockedCanvas" xmlns:go="http://customooxmlschemas.google.com/" xmlns:ahyp="http://schemas.microsoft.com/office/drawing/2018/hyperlinkcolor" xmlns:p15="http://schemas.microsoft.com/office/powerpoint/2012/main" xmlns:p14="http://schemas.microsoft.com/office/powerpoint/2010/main" xmlns:com="http://schemas.openxmlformats.org/drawingml/2006/compatibility" xmlns:pvml="urn:schemas-microsoft-com:office:powerpoint" xmlns:v="urn:schemas-microsoft-com:vml" xmlns:o="urn:schemas-microsoft-com:office:office" xmlns:dgm="http://schemas.openxmlformats.org/drawingml/2006/diagram" xmlns:c="http://schemas.openxmlformats.org/drawingml/2006/chart" xmlns:mv="urn:schemas-microsoft-com:mac:vml" xmlns:mc="http://schemas.openxmlformats.org/markup-compatibility/2006" xmlns="" textRoundtripDataId="0"/>
                   </a:ext>
                 </a:extLst>
               </a:rPr>
@@ -18368,7 +18392,7 @@
               <a:rPr lang="en-US" dirty="0" err="1">
                 <a:extLst>
                   <a:ext uri="http://customooxmlschemas.google.com/">
-                    <go:slidesCustomData xmlns="" xmlns:mc="http://schemas.openxmlformats.org/markup-compatibility/2006" xmlns:mv="urn:schemas-microsoft-com:mac:vml" xmlns:c="http://schemas.openxmlformats.org/drawingml/2006/chart" xmlns:dgm="http://schemas.openxmlformats.org/drawingml/2006/diagram" xmlns:o="urn:schemas-microsoft-com:office:office" xmlns:v="urn:schemas-microsoft-com:vml" xmlns:pvml="urn:schemas-microsoft-com:office:powerpoint" xmlns:com="http://schemas.openxmlformats.org/drawingml/2006/compatibility" xmlns:p14="http://schemas.microsoft.com/office/powerpoint/2010/main" xmlns:p15="http://schemas.microsoft.com/office/powerpoint/2012/main" xmlns:ahyp="http://schemas.microsoft.com/office/drawing/2018/hyperlinkcolor" xmlns:go="http://customooxmlschemas.google.com/" xmlns:lc="http://schemas.openxmlformats.org/drawingml/2006/lockedCanvas" textRoundtripDataId="0"/>
+                    <go:slidesCustomData xmlns:lc="http://schemas.openxmlformats.org/drawingml/2006/lockedCanvas" xmlns:go="http://customooxmlschemas.google.com/" xmlns:ahyp="http://schemas.microsoft.com/office/drawing/2018/hyperlinkcolor" xmlns:p15="http://schemas.microsoft.com/office/powerpoint/2012/main" xmlns:p14="http://schemas.microsoft.com/office/powerpoint/2010/main" xmlns:com="http://schemas.openxmlformats.org/drawingml/2006/compatibility" xmlns:pvml="urn:schemas-microsoft-com:office:powerpoint" xmlns:v="urn:schemas-microsoft-com:vml" xmlns:o="urn:schemas-microsoft-com:office:office" xmlns:dgm="http://schemas.openxmlformats.org/drawingml/2006/diagram" xmlns:c="http://schemas.openxmlformats.org/drawingml/2006/chart" xmlns:mv="urn:schemas-microsoft-com:mac:vml" xmlns:mc="http://schemas.openxmlformats.org/markup-compatibility/2006" xmlns="" textRoundtripDataId="0"/>
                   </a:ext>
                 </a:extLst>
               </a:rPr>
